--- a/이클립스 _Db세팅.pptx
+++ b/이클립스 _Db세팅.pptx
@@ -9,8 +9,6 @@
     <p:sldId id="257" r:id="rId3"/>
     <p:sldId id="261" r:id="rId4"/>
     <p:sldId id="260" r:id="rId5"/>
-    <p:sldId id="259" r:id="rId6"/>
-    <p:sldId id="258" r:id="rId7"/>
   </p:sldIdLst>
   <p:sldSz cx="9144000" cy="6858000" type="screen4x3"/>
   <p:notesSz cx="6858000" cy="9144000"/>
@@ -307,7 +305,7 @@
           <a:p>
             <a:fld id="{BB9CBE04-9D10-41A7-BFA5-94AC34B04EDE}" type="datetimeFigureOut">
               <a:rPr lang="ko-KR" altLang="en-US" smtClean="0"/>
-              <a:t>2024-11-11</a:t>
+              <a:t>2024-11-22</a:t>
             </a:fld>
             <a:endParaRPr lang="ko-KR" altLang="en-US"/>
           </a:p>
@@ -475,7 +473,7 @@
           <a:p>
             <a:fld id="{BB9CBE04-9D10-41A7-BFA5-94AC34B04EDE}" type="datetimeFigureOut">
               <a:rPr lang="ko-KR" altLang="en-US" smtClean="0"/>
-              <a:t>2024-11-11</a:t>
+              <a:t>2024-11-22</a:t>
             </a:fld>
             <a:endParaRPr lang="ko-KR" altLang="en-US"/>
           </a:p>
@@ -653,7 +651,7 @@
           <a:p>
             <a:fld id="{BB9CBE04-9D10-41A7-BFA5-94AC34B04EDE}" type="datetimeFigureOut">
               <a:rPr lang="ko-KR" altLang="en-US" smtClean="0"/>
-              <a:t>2024-11-11</a:t>
+              <a:t>2024-11-22</a:t>
             </a:fld>
             <a:endParaRPr lang="ko-KR" altLang="en-US"/>
           </a:p>
@@ -821,7 +819,7 @@
           <a:p>
             <a:fld id="{BB9CBE04-9D10-41A7-BFA5-94AC34B04EDE}" type="datetimeFigureOut">
               <a:rPr lang="ko-KR" altLang="en-US" smtClean="0"/>
-              <a:t>2024-11-11</a:t>
+              <a:t>2024-11-22</a:t>
             </a:fld>
             <a:endParaRPr lang="ko-KR" altLang="en-US"/>
           </a:p>
@@ -1066,7 +1064,7 @@
           <a:p>
             <a:fld id="{BB9CBE04-9D10-41A7-BFA5-94AC34B04EDE}" type="datetimeFigureOut">
               <a:rPr lang="ko-KR" altLang="en-US" smtClean="0"/>
-              <a:t>2024-11-11</a:t>
+              <a:t>2024-11-22</a:t>
             </a:fld>
             <a:endParaRPr lang="ko-KR" altLang="en-US"/>
           </a:p>
@@ -1351,7 +1349,7 @@
           <a:p>
             <a:fld id="{BB9CBE04-9D10-41A7-BFA5-94AC34B04EDE}" type="datetimeFigureOut">
               <a:rPr lang="ko-KR" altLang="en-US" smtClean="0"/>
-              <a:t>2024-11-11</a:t>
+              <a:t>2024-11-22</a:t>
             </a:fld>
             <a:endParaRPr lang="ko-KR" altLang="en-US"/>
           </a:p>
@@ -1770,7 +1768,7 @@
           <a:p>
             <a:fld id="{BB9CBE04-9D10-41A7-BFA5-94AC34B04EDE}" type="datetimeFigureOut">
               <a:rPr lang="ko-KR" altLang="en-US" smtClean="0"/>
-              <a:t>2024-11-11</a:t>
+              <a:t>2024-11-22</a:t>
             </a:fld>
             <a:endParaRPr lang="ko-KR" altLang="en-US"/>
           </a:p>
@@ -1887,7 +1885,7 @@
           <a:p>
             <a:fld id="{BB9CBE04-9D10-41A7-BFA5-94AC34B04EDE}" type="datetimeFigureOut">
               <a:rPr lang="ko-KR" altLang="en-US" smtClean="0"/>
-              <a:t>2024-11-11</a:t>
+              <a:t>2024-11-22</a:t>
             </a:fld>
             <a:endParaRPr lang="ko-KR" altLang="en-US"/>
           </a:p>
@@ -1982,7 +1980,7 @@
           <a:p>
             <a:fld id="{BB9CBE04-9D10-41A7-BFA5-94AC34B04EDE}" type="datetimeFigureOut">
               <a:rPr lang="ko-KR" altLang="en-US" smtClean="0"/>
-              <a:t>2024-11-11</a:t>
+              <a:t>2024-11-22</a:t>
             </a:fld>
             <a:endParaRPr lang="ko-KR" altLang="en-US"/>
           </a:p>
@@ -2257,7 +2255,7 @@
           <a:p>
             <a:fld id="{BB9CBE04-9D10-41A7-BFA5-94AC34B04EDE}" type="datetimeFigureOut">
               <a:rPr lang="ko-KR" altLang="en-US" smtClean="0"/>
-              <a:t>2024-11-11</a:t>
+              <a:t>2024-11-22</a:t>
             </a:fld>
             <a:endParaRPr lang="ko-KR" altLang="en-US"/>
           </a:p>
@@ -2509,7 +2507,7 @@
           <a:p>
             <a:fld id="{BB9CBE04-9D10-41A7-BFA5-94AC34B04EDE}" type="datetimeFigureOut">
               <a:rPr lang="ko-KR" altLang="en-US" smtClean="0"/>
-              <a:t>2024-11-11</a:t>
+              <a:t>2024-11-22</a:t>
             </a:fld>
             <a:endParaRPr lang="ko-KR" altLang="en-US"/>
           </a:p>
@@ -2720,7 +2718,7 @@
           <a:p>
             <a:fld id="{BB9CBE04-9D10-41A7-BFA5-94AC34B04EDE}" type="datetimeFigureOut">
               <a:rPr lang="ko-KR" altLang="en-US" smtClean="0"/>
-              <a:t>2024-11-11</a:t>
+              <a:t>2024-11-22</a:t>
             </a:fld>
             <a:endParaRPr lang="ko-KR" altLang="en-US"/>
           </a:p>
@@ -3268,6 +3266,11 @@
             <a:avLst/>
           </a:prstGeom>
           <a:noFill/>
+          <a:ln>
+            <a:solidFill>
+              <a:srgbClr val="FF0000"/>
+            </a:solidFill>
+          </a:ln>
         </p:spPr>
         <p:style>
           <a:lnRef idx="2">
@@ -3520,146 +3523,342 @@
           </a:extLst>
         </p:spPr>
       </p:pic>
+      <p:sp>
+        <p:nvSpPr>
+          <p:cNvPr id="2" name="직사각형 1">
+            <a:extLst>
+              <a:ext uri="{FF2B5EF4-FFF2-40B4-BE49-F238E27FC236}">
+                <a16:creationId xmlns:a16="http://schemas.microsoft.com/office/drawing/2014/main" id="{91B4E335-3FFC-426B-BB24-E2466C505829}"/>
+              </a:ext>
+            </a:extLst>
+          </p:cNvPr>
+          <p:cNvSpPr/>
+          <p:nvPr/>
+        </p:nvSpPr>
+        <p:spPr>
+          <a:xfrm>
+            <a:off x="4601593" y="2648994"/>
+            <a:ext cx="648072" cy="216024"/>
+          </a:xfrm>
+          <a:prstGeom prst="rect">
+            <a:avLst/>
+          </a:prstGeom>
+          <a:noFill/>
+          <a:ln>
+            <a:solidFill>
+              <a:srgbClr val="FF0000"/>
+            </a:solidFill>
+          </a:ln>
+        </p:spPr>
+        <p:style>
+          <a:lnRef idx="2">
+            <a:schemeClr val="accent1">
+              <a:shade val="50000"/>
+            </a:schemeClr>
+          </a:lnRef>
+          <a:fillRef idx="1">
+            <a:schemeClr val="accent1"/>
+          </a:fillRef>
+          <a:effectRef idx="0">
+            <a:schemeClr val="accent1"/>
+          </a:effectRef>
+          <a:fontRef idx="minor">
+            <a:schemeClr val="lt1"/>
+          </a:fontRef>
+        </p:style>
+        <p:txBody>
+          <a:bodyPr rtlCol="0" anchor="ctr"/>
+          <a:lstStyle/>
+          <a:p>
+            <a:pPr algn="ctr"/>
+            <a:endParaRPr lang="ko-KR" altLang="en-US"/>
+          </a:p>
+        </p:txBody>
+      </p:sp>
+      <p:sp>
+        <p:nvSpPr>
+          <p:cNvPr id="4" name="직사각형 3">
+            <a:extLst>
+              <a:ext uri="{FF2B5EF4-FFF2-40B4-BE49-F238E27FC236}">
+                <a16:creationId xmlns:a16="http://schemas.microsoft.com/office/drawing/2014/main" id="{307A768A-D608-460F-95F2-1113E20B6114}"/>
+              </a:ext>
+            </a:extLst>
+          </p:cNvPr>
+          <p:cNvSpPr/>
+          <p:nvPr/>
+        </p:nvSpPr>
+        <p:spPr>
+          <a:xfrm>
+            <a:off x="3203848" y="2880304"/>
+            <a:ext cx="648072" cy="216024"/>
+          </a:xfrm>
+          <a:prstGeom prst="rect">
+            <a:avLst/>
+          </a:prstGeom>
+          <a:noFill/>
+          <a:ln>
+            <a:solidFill>
+              <a:srgbClr val="FF0000"/>
+            </a:solidFill>
+          </a:ln>
+        </p:spPr>
+        <p:style>
+          <a:lnRef idx="2">
+            <a:schemeClr val="accent1">
+              <a:shade val="50000"/>
+            </a:schemeClr>
+          </a:lnRef>
+          <a:fillRef idx="1">
+            <a:schemeClr val="accent1"/>
+          </a:fillRef>
+          <a:effectRef idx="0">
+            <a:schemeClr val="accent1"/>
+          </a:effectRef>
+          <a:fontRef idx="minor">
+            <a:schemeClr val="lt1"/>
+          </a:fontRef>
+        </p:style>
+        <p:txBody>
+          <a:bodyPr rtlCol="0" anchor="ctr"/>
+          <a:lstStyle/>
+          <a:p>
+            <a:pPr algn="ctr"/>
+            <a:endParaRPr lang="ko-KR" altLang="en-US"/>
+          </a:p>
+        </p:txBody>
+      </p:sp>
+      <p:sp>
+        <p:nvSpPr>
+          <p:cNvPr id="5" name="직사각형 4">
+            <a:extLst>
+              <a:ext uri="{FF2B5EF4-FFF2-40B4-BE49-F238E27FC236}">
+                <a16:creationId xmlns:a16="http://schemas.microsoft.com/office/drawing/2014/main" id="{845EA384-6D1A-4712-9499-DD90921FB52C}"/>
+              </a:ext>
+            </a:extLst>
+          </p:cNvPr>
+          <p:cNvSpPr/>
+          <p:nvPr/>
+        </p:nvSpPr>
+        <p:spPr>
+          <a:xfrm>
+            <a:off x="3203848" y="2403623"/>
+            <a:ext cx="648072" cy="216024"/>
+          </a:xfrm>
+          <a:prstGeom prst="rect">
+            <a:avLst/>
+          </a:prstGeom>
+          <a:noFill/>
+          <a:ln>
+            <a:solidFill>
+              <a:srgbClr val="FF0000"/>
+            </a:solidFill>
+          </a:ln>
+        </p:spPr>
+        <p:style>
+          <a:lnRef idx="2">
+            <a:schemeClr val="accent1">
+              <a:shade val="50000"/>
+            </a:schemeClr>
+          </a:lnRef>
+          <a:fillRef idx="1">
+            <a:schemeClr val="accent1"/>
+          </a:fillRef>
+          <a:effectRef idx="0">
+            <a:schemeClr val="accent1"/>
+          </a:effectRef>
+          <a:fontRef idx="minor">
+            <a:schemeClr val="lt1"/>
+          </a:fontRef>
+        </p:style>
+        <p:txBody>
+          <a:bodyPr rtlCol="0" anchor="ctr"/>
+          <a:lstStyle/>
+          <a:p>
+            <a:pPr algn="ctr"/>
+            <a:endParaRPr lang="ko-KR" altLang="en-US"/>
+          </a:p>
+        </p:txBody>
+      </p:sp>
+      <p:sp>
+        <p:nvSpPr>
+          <p:cNvPr id="6" name="직사각형 5">
+            <a:extLst>
+              <a:ext uri="{FF2B5EF4-FFF2-40B4-BE49-F238E27FC236}">
+                <a16:creationId xmlns:a16="http://schemas.microsoft.com/office/drawing/2014/main" id="{90010D28-6480-4E7F-97C3-53575F6F84E9}"/>
+              </a:ext>
+            </a:extLst>
+          </p:cNvPr>
+          <p:cNvSpPr/>
+          <p:nvPr/>
+        </p:nvSpPr>
+        <p:spPr>
+          <a:xfrm>
+            <a:off x="3203848" y="3140961"/>
+            <a:ext cx="864096" cy="216024"/>
+          </a:xfrm>
+          <a:prstGeom prst="rect">
+            <a:avLst/>
+          </a:prstGeom>
+          <a:noFill/>
+          <a:ln>
+            <a:solidFill>
+              <a:srgbClr val="FF0000"/>
+            </a:solidFill>
+          </a:ln>
+        </p:spPr>
+        <p:style>
+          <a:lnRef idx="2">
+            <a:schemeClr val="accent1">
+              <a:shade val="50000"/>
+            </a:schemeClr>
+          </a:lnRef>
+          <a:fillRef idx="1">
+            <a:schemeClr val="accent1"/>
+          </a:fillRef>
+          <a:effectRef idx="0">
+            <a:schemeClr val="accent1"/>
+          </a:effectRef>
+          <a:fontRef idx="minor">
+            <a:schemeClr val="lt1"/>
+          </a:fontRef>
+        </p:style>
+        <p:txBody>
+          <a:bodyPr rtlCol="0" anchor="ctr"/>
+          <a:lstStyle/>
+          <a:p>
+            <a:pPr algn="ctr"/>
+            <a:endParaRPr lang="ko-KR" altLang="en-US"/>
+          </a:p>
+        </p:txBody>
+      </p:sp>
+      <p:sp>
+        <p:nvSpPr>
+          <p:cNvPr id="3" name="TextBox 2">
+            <a:extLst>
+              <a:ext uri="{FF2B5EF4-FFF2-40B4-BE49-F238E27FC236}">
+                <a16:creationId xmlns:a16="http://schemas.microsoft.com/office/drawing/2014/main" id="{D40DDFAA-E980-4069-BB95-3AB7BB05B91A}"/>
+              </a:ext>
+            </a:extLst>
+          </p:cNvPr>
+          <p:cNvSpPr txBox="1"/>
+          <p:nvPr/>
+        </p:nvSpPr>
+        <p:spPr>
+          <a:xfrm>
+            <a:off x="4151809" y="3039944"/>
+            <a:ext cx="1656184" cy="369332"/>
+          </a:xfrm>
+          <a:prstGeom prst="rect">
+            <a:avLst/>
+          </a:prstGeom>
+          <a:noFill/>
+        </p:spPr>
+        <p:txBody>
+          <a:bodyPr wrap="square" rtlCol="0">
+            <a:spAutoFit/>
+          </a:bodyPr>
+          <a:lstStyle/>
+          <a:p>
+            <a:r>
+              <a:rPr lang="en-US" altLang="ko-KR" dirty="0" err="1"/>
+              <a:t>jsppass</a:t>
+            </a:r>
+            <a:endParaRPr lang="ko-KR" altLang="en-US" dirty="0"/>
+          </a:p>
+        </p:txBody>
+      </p:sp>
+      <p:cxnSp>
+        <p:nvCxnSpPr>
+          <p:cNvPr id="8" name="직선 화살표 연결선 7">
+            <a:extLst>
+              <a:ext uri="{FF2B5EF4-FFF2-40B4-BE49-F238E27FC236}">
+                <a16:creationId xmlns:a16="http://schemas.microsoft.com/office/drawing/2014/main" id="{6F7A56CA-4DE8-45C3-BA50-DC0D4882CEE2}"/>
+              </a:ext>
+            </a:extLst>
+          </p:cNvPr>
+          <p:cNvCxnSpPr>
+            <a:cxnSpLocks/>
+          </p:cNvCxnSpPr>
+          <p:nvPr/>
+        </p:nvCxnSpPr>
+        <p:spPr>
+          <a:xfrm>
+            <a:off x="5807993" y="4930661"/>
+            <a:ext cx="348183" cy="298539"/>
+          </a:xfrm>
+          <a:prstGeom prst="straightConnector1">
+            <a:avLst/>
+          </a:prstGeom>
+          <a:ln>
+            <a:solidFill>
+              <a:srgbClr val="FF0000"/>
+            </a:solidFill>
+            <a:tailEnd type="triangle"/>
+          </a:ln>
+        </p:spPr>
+        <p:style>
+          <a:lnRef idx="1">
+            <a:schemeClr val="accent1"/>
+          </a:lnRef>
+          <a:fillRef idx="0">
+            <a:schemeClr val="accent1"/>
+          </a:fillRef>
+          <a:effectRef idx="0">
+            <a:schemeClr val="accent1"/>
+          </a:effectRef>
+          <a:fontRef idx="minor">
+            <a:schemeClr val="tx1"/>
+          </a:fontRef>
+        </p:style>
+      </p:cxnSp>
+      <p:cxnSp>
+        <p:nvCxnSpPr>
+          <p:cNvPr id="11" name="직선 화살표 연결선 10">
+            <a:extLst>
+              <a:ext uri="{FF2B5EF4-FFF2-40B4-BE49-F238E27FC236}">
+                <a16:creationId xmlns:a16="http://schemas.microsoft.com/office/drawing/2014/main" id="{628A9630-19BE-4B8F-B2A2-8DB8D8C933C3}"/>
+              </a:ext>
+            </a:extLst>
+          </p:cNvPr>
+          <p:cNvCxnSpPr>
+            <a:cxnSpLocks/>
+          </p:cNvCxnSpPr>
+          <p:nvPr/>
+        </p:nvCxnSpPr>
+        <p:spPr>
+          <a:xfrm>
+            <a:off x="5292588" y="5614092"/>
+            <a:ext cx="348183" cy="298539"/>
+          </a:xfrm>
+          <a:prstGeom prst="straightConnector1">
+            <a:avLst/>
+          </a:prstGeom>
+          <a:ln>
+            <a:solidFill>
+              <a:srgbClr val="FF0000"/>
+            </a:solidFill>
+            <a:tailEnd type="triangle"/>
+          </a:ln>
+        </p:spPr>
+        <p:style>
+          <a:lnRef idx="1">
+            <a:schemeClr val="accent1"/>
+          </a:lnRef>
+          <a:fillRef idx="0">
+            <a:schemeClr val="accent1"/>
+          </a:fillRef>
+          <a:effectRef idx="0">
+            <a:schemeClr val="accent1"/>
+          </a:effectRef>
+          <a:fontRef idx="minor">
+            <a:schemeClr val="tx1"/>
+          </a:fontRef>
+        </p:style>
+      </p:cxnSp>
     </p:spTree>
     <p:extLst>
       <p:ext uri="{BB962C8B-B14F-4D97-AF65-F5344CB8AC3E}">
         <p14:creationId xmlns:p14="http://schemas.microsoft.com/office/powerpoint/2010/main" val="1542592859"/>
-      </p:ext>
-    </p:extLst>
-  </p:cSld>
-  <p:clrMapOvr>
-    <a:masterClrMapping/>
-  </p:clrMapOvr>
-</p:sld>
-</file>
-
-<file path=ppt/slides/slide5.xml><?xml version="1.0" encoding="utf-8"?>
-<p:sld xmlns:a="http://schemas.openxmlformats.org/drawingml/2006/main" xmlns:r="http://schemas.openxmlformats.org/officeDocument/2006/relationships" xmlns:p="http://schemas.openxmlformats.org/presentationml/2006/main">
-  <p:cSld>
-    <p:spTree>
-      <p:nvGrpSpPr>
-        <p:cNvPr id="1" name=""/>
-        <p:cNvGrpSpPr/>
-        <p:nvPr/>
-      </p:nvGrpSpPr>
-      <p:grpSpPr>
-        <a:xfrm>
-          <a:off x="0" y="0"/>
-          <a:ext cx="0" cy="0"/>
-          <a:chOff x="0" y="0"/>
-          <a:chExt cx="0" cy="0"/>
-        </a:xfrm>
-      </p:grpSpPr>
-      <p:sp>
-        <p:nvSpPr>
-          <p:cNvPr id="2" name="제목 1"/>
-          <p:cNvSpPr>
-            <a:spLocks noGrp="1"/>
-          </p:cNvSpPr>
-          <p:nvPr>
-            <p:ph type="title"/>
-          </p:nvPr>
-        </p:nvSpPr>
-        <p:spPr/>
-        <p:txBody>
-          <a:bodyPr/>
-          <a:lstStyle/>
-          <a:p>
-            <a:endParaRPr lang="ko-KR" altLang="en-US"/>
-          </a:p>
-        </p:txBody>
-      </p:sp>
-      <p:sp>
-        <p:nvSpPr>
-          <p:cNvPr id="3" name="내용 개체 틀 2"/>
-          <p:cNvSpPr>
-            <a:spLocks noGrp="1"/>
-          </p:cNvSpPr>
-          <p:nvPr>
-            <p:ph idx="1"/>
-          </p:nvPr>
-        </p:nvSpPr>
-        <p:spPr/>
-        <p:txBody>
-          <a:bodyPr/>
-          <a:lstStyle/>
-          <a:p>
-            <a:endParaRPr lang="ko-KR" altLang="en-US"/>
-          </a:p>
-        </p:txBody>
-      </p:sp>
-    </p:spTree>
-    <p:extLst>
-      <p:ext uri="{BB962C8B-B14F-4D97-AF65-F5344CB8AC3E}">
-        <p14:creationId xmlns:p14="http://schemas.microsoft.com/office/powerpoint/2010/main" val="2915440280"/>
-      </p:ext>
-    </p:extLst>
-  </p:cSld>
-  <p:clrMapOvr>
-    <a:masterClrMapping/>
-  </p:clrMapOvr>
-</p:sld>
-</file>
-
-<file path=ppt/slides/slide6.xml><?xml version="1.0" encoding="utf-8"?>
-<p:sld xmlns:a="http://schemas.openxmlformats.org/drawingml/2006/main" xmlns:r="http://schemas.openxmlformats.org/officeDocument/2006/relationships" xmlns:p="http://schemas.openxmlformats.org/presentationml/2006/main">
-  <p:cSld>
-    <p:spTree>
-      <p:nvGrpSpPr>
-        <p:cNvPr id="1" name=""/>
-        <p:cNvGrpSpPr/>
-        <p:nvPr/>
-      </p:nvGrpSpPr>
-      <p:grpSpPr>
-        <a:xfrm>
-          <a:off x="0" y="0"/>
-          <a:ext cx="0" cy="0"/>
-          <a:chOff x="0" y="0"/>
-          <a:chExt cx="0" cy="0"/>
-        </a:xfrm>
-      </p:grpSpPr>
-      <p:sp>
-        <p:nvSpPr>
-          <p:cNvPr id="2" name="제목 1"/>
-          <p:cNvSpPr>
-            <a:spLocks noGrp="1"/>
-          </p:cNvSpPr>
-          <p:nvPr>
-            <p:ph type="title"/>
-          </p:nvPr>
-        </p:nvSpPr>
-        <p:spPr/>
-        <p:txBody>
-          <a:bodyPr/>
-          <a:lstStyle/>
-          <a:p>
-            <a:endParaRPr lang="ko-KR" altLang="en-US"/>
-          </a:p>
-        </p:txBody>
-      </p:sp>
-      <p:sp>
-        <p:nvSpPr>
-          <p:cNvPr id="3" name="내용 개체 틀 2"/>
-          <p:cNvSpPr>
-            <a:spLocks noGrp="1"/>
-          </p:cNvSpPr>
-          <p:nvPr>
-            <p:ph idx="1"/>
-          </p:nvPr>
-        </p:nvSpPr>
-        <p:spPr/>
-        <p:txBody>
-          <a:bodyPr/>
-          <a:lstStyle/>
-          <a:p>
-            <a:endParaRPr lang="ko-KR" altLang="en-US"/>
-          </a:p>
-        </p:txBody>
-      </p:sp>
-    </p:spTree>
-    <p:extLst>
-      <p:ext uri="{BB962C8B-B14F-4D97-AF65-F5344CB8AC3E}">
-        <p14:creationId xmlns:p14="http://schemas.microsoft.com/office/powerpoint/2010/main" val="2644355978"/>
       </p:ext>
     </p:extLst>
   </p:cSld>
